--- a/5_deep_learning_middle/deep_learning_middle.pptx
+++ b/5_deep_learning_middle/deep_learning_middle.pptx
@@ -4029,7 +4029,7 @@
                 <a:ea typeface="メイリオ" panose="020B0604030504040204" pitchFamily="50" charset="-128"/>
                 <a:cs typeface="ヒラギノ角ゴ Pro W3" charset="0"/>
               </a:rPr>
-              <a:t> 勉強会</a:t>
+              <a:t> 機械学習　勉強会</a:t>
             </a:r>
             <a:r>
               <a:rPr lang="en-US" altLang="ja-JP" sz="1350" dirty="0" smtClean="0">
@@ -6096,6 +6096,72 @@
           </a:graphicData>
         </a:graphic>
       </p:graphicFrame>
+      <p:sp>
+        <p:nvSpPr>
+          <p:cNvPr id="18" name="テキスト ボックス 17"/>
+          <p:cNvSpPr txBox="1"/>
+          <p:nvPr/>
+        </p:nvSpPr>
+        <p:spPr>
+          <a:xfrm>
+            <a:off x="4242060" y="5200120"/>
+            <a:ext cx="595035" cy="584775"/>
+          </a:xfrm>
+          <a:prstGeom prst="rect">
+            <a:avLst/>
+          </a:prstGeom>
+          <a:noFill/>
+        </p:spPr>
+        <p:txBody>
+          <a:bodyPr wrap="none" rtlCol="0">
+            <a:spAutoFit/>
+          </a:bodyPr>
+          <a:lstStyle/>
+          <a:p>
+            <a:r>
+              <a:rPr kumimoji="1" lang="ja-JP" altLang="en-US" sz="3200" dirty="0" smtClean="0">
+                <a:latin typeface="ヒラギノ角ゴ Pro W3"/>
+                <a:ea typeface="ヒラギノ角ゴ Pro W3"/>
+                <a:cs typeface="ヒラギノ角ゴ Pro W3"/>
+              </a:rPr>
+              <a:t>：</a:t>
+            </a:r>
+          </a:p>
+        </p:txBody>
+      </p:sp>
+      <p:sp>
+        <p:nvSpPr>
+          <p:cNvPr id="19" name="テキスト ボックス 18"/>
+          <p:cNvSpPr txBox="1"/>
+          <p:nvPr/>
+        </p:nvSpPr>
+        <p:spPr>
+          <a:xfrm>
+            <a:off x="7209865" y="5250156"/>
+            <a:ext cx="595035" cy="584775"/>
+          </a:xfrm>
+          <a:prstGeom prst="rect">
+            <a:avLst/>
+          </a:prstGeom>
+          <a:noFill/>
+        </p:spPr>
+        <p:txBody>
+          <a:bodyPr wrap="none" rtlCol="0">
+            <a:spAutoFit/>
+          </a:bodyPr>
+          <a:lstStyle/>
+          <a:p>
+            <a:r>
+              <a:rPr kumimoji="1" lang="ja-JP" altLang="en-US" sz="3200" dirty="0" smtClean="0">
+                <a:latin typeface="ヒラギノ角ゴ Pro W3"/>
+                <a:ea typeface="ヒラギノ角ゴ Pro W3"/>
+                <a:cs typeface="ヒラギノ角ゴ Pro W3"/>
+              </a:rPr>
+              <a:t>：</a:t>
+            </a:r>
+          </a:p>
+        </p:txBody>
+      </p:sp>
     </p:spTree>
     <p:extLst>
       <p:ext uri="{BB962C8B-B14F-4D97-AF65-F5344CB8AC3E}">
